--- a/year 3/Deep learning and Natural Language Processing/Lectures/6-Multilayer Perceptron.pptx
+++ b/year 3/Deep learning and Natural Language Processing/Lectures/6-Multilayer Perceptron.pptx
@@ -3256,7 +3256,7 @@
           <a:p>
             <a:fld id="{96174815-C9FA-42CE-A6F7-412CF2D925AC}" type="datetimeFigureOut">
               <a:rPr lang="en-US" smtClean="0"/>
-              <a:t>11/15/2021</a:t>
+              <a:t>11/22/2021</a:t>
             </a:fld>
             <a:endParaRPr lang="en-US"/>
           </a:p>
@@ -3900,6 +3900,90 @@
 </p:notes>
 </file>
 
+<file path=ppt/notesSlides/notesSlide13.xml><?xml version="1.0" encoding="utf-8"?>
+<p:notes xmlns:a="http://schemas.openxmlformats.org/drawingml/2006/main" xmlns:r="http://schemas.openxmlformats.org/officeDocument/2006/relationships" xmlns:p="http://schemas.openxmlformats.org/presentationml/2006/main">
+  <p:cSld>
+    <p:spTree>
+      <p:nvGrpSpPr>
+        <p:cNvPr id="1" name=""/>
+        <p:cNvGrpSpPr/>
+        <p:nvPr/>
+      </p:nvGrpSpPr>
+      <p:grpSpPr>
+        <a:xfrm>
+          <a:off x="0" y="0"/>
+          <a:ext cx="0" cy="0"/>
+          <a:chOff x="0" y="0"/>
+          <a:chExt cx="0" cy="0"/>
+        </a:xfrm>
+      </p:grpSpPr>
+      <p:sp>
+        <p:nvSpPr>
+          <p:cNvPr id="2" name="Slide Image Placeholder 1"/>
+          <p:cNvSpPr>
+            <a:spLocks noGrp="1" noRot="1" noChangeAspect="1"/>
+          </p:cNvSpPr>
+          <p:nvPr>
+            <p:ph type="sldImg"/>
+          </p:nvPr>
+        </p:nvSpPr>
+        <p:spPr/>
+      </p:sp>
+      <p:sp>
+        <p:nvSpPr>
+          <p:cNvPr id="3" name="Notes Placeholder 2"/>
+          <p:cNvSpPr>
+            <a:spLocks noGrp="1"/>
+          </p:cNvSpPr>
+          <p:nvPr>
+            <p:ph type="body" idx="1"/>
+          </p:nvPr>
+        </p:nvSpPr>
+        <p:spPr/>
+        <p:txBody>
+          <a:bodyPr/>
+          <a:lstStyle/>
+          <a:p>
+            <a:endParaRPr lang="en-US" dirty="0"/>
+          </a:p>
+        </p:txBody>
+      </p:sp>
+      <p:sp>
+        <p:nvSpPr>
+          <p:cNvPr id="4" name="Slide Number Placeholder 3"/>
+          <p:cNvSpPr>
+            <a:spLocks noGrp="1"/>
+          </p:cNvSpPr>
+          <p:nvPr>
+            <p:ph type="sldNum" sz="quarter" idx="5"/>
+          </p:nvPr>
+        </p:nvSpPr>
+        <p:spPr/>
+        <p:txBody>
+          <a:bodyPr/>
+          <a:lstStyle/>
+          <a:p>
+            <a:fld id="{B971A4A9-223B-4F85-8EFA-BFCE043D0166}" type="slidenum">
+              <a:rPr lang="en-US" smtClean="0"/>
+              <a:t>26</a:t>
+            </a:fld>
+            <a:endParaRPr lang="en-US"/>
+          </a:p>
+        </p:txBody>
+      </p:sp>
+    </p:spTree>
+    <p:extLst>
+      <p:ext uri="{BB962C8B-B14F-4D97-AF65-F5344CB8AC3E}">
+        <p14:creationId xmlns:p14="http://schemas.microsoft.com/office/powerpoint/2010/main" val="2059612427"/>
+      </p:ext>
+    </p:extLst>
+  </p:cSld>
+  <p:clrMapOvr>
+    <a:masterClrMapping/>
+  </p:clrMapOvr>
+</p:notes>
+</file>
+
 <file path=ppt/notesSlides/notesSlide2.xml><?xml version="1.0" encoding="utf-8"?>
 <p:notes xmlns:a="http://schemas.openxmlformats.org/drawingml/2006/main" xmlns:r="http://schemas.openxmlformats.org/officeDocument/2006/relationships" xmlns:p="http://schemas.openxmlformats.org/presentationml/2006/main">
   <p:cSld>
@@ -4904,7 +4988,7 @@
             <a:fld id="{1D8BD707-D9CF-40AE-B4C6-C98DA3205C09}" type="datetimeFigureOut">
               <a:rPr lang="en-US" smtClean="0"/>
               <a:pPr/>
-              <a:t>11/15/2021</a:t>
+              <a:t>11/22/2021</a:t>
             </a:fld>
             <a:endParaRPr lang="en-US"/>
           </a:p>
@@ -5069,7 +5153,7 @@
             <a:fld id="{1D8BD707-D9CF-40AE-B4C6-C98DA3205C09}" type="datetimeFigureOut">
               <a:rPr lang="en-US" smtClean="0"/>
               <a:pPr/>
-              <a:t>11/15/2021</a:t>
+              <a:t>11/22/2021</a:t>
             </a:fld>
             <a:endParaRPr lang="en-US"/>
           </a:p>
@@ -5244,7 +5328,7 @@
             <a:fld id="{1D8BD707-D9CF-40AE-B4C6-C98DA3205C09}" type="datetimeFigureOut">
               <a:rPr lang="en-US" smtClean="0"/>
               <a:pPr/>
-              <a:t>11/15/2021</a:t>
+              <a:t>11/22/2021</a:t>
             </a:fld>
             <a:endParaRPr lang="en-US"/>
           </a:p>
@@ -5415,7 +5499,7 @@
             <a:fld id="{1D8BD707-D9CF-40AE-B4C6-C98DA3205C09}" type="datetimeFigureOut">
               <a:rPr lang="en-US" smtClean="0"/>
               <a:pPr/>
-              <a:t>11/15/2021</a:t>
+              <a:t>11/22/2021</a:t>
             </a:fld>
             <a:endParaRPr lang="en-US"/>
           </a:p>
@@ -5657,7 +5741,7 @@
             <a:fld id="{1D8BD707-D9CF-40AE-B4C6-C98DA3205C09}" type="datetimeFigureOut">
               <a:rPr lang="en-US" smtClean="0"/>
               <a:pPr/>
-              <a:t>11/15/2021</a:t>
+              <a:t>11/22/2021</a:t>
             </a:fld>
             <a:endParaRPr lang="en-US"/>
           </a:p>
@@ -5939,7 +6023,7 @@
             <a:fld id="{1D8BD707-D9CF-40AE-B4C6-C98DA3205C09}" type="datetimeFigureOut">
               <a:rPr lang="en-US" smtClean="0"/>
               <a:pPr/>
-              <a:t>11/15/2021</a:t>
+              <a:t>11/22/2021</a:t>
             </a:fld>
             <a:endParaRPr lang="en-US"/>
           </a:p>
@@ -6355,7 +6439,7 @@
             <a:fld id="{1D8BD707-D9CF-40AE-B4C6-C98DA3205C09}" type="datetimeFigureOut">
               <a:rPr lang="en-US" smtClean="0"/>
               <a:pPr/>
-              <a:t>11/15/2021</a:t>
+              <a:t>11/22/2021</a:t>
             </a:fld>
             <a:endParaRPr lang="en-US"/>
           </a:p>
@@ -6469,7 +6553,7 @@
             <a:fld id="{1D8BD707-D9CF-40AE-B4C6-C98DA3205C09}" type="datetimeFigureOut">
               <a:rPr lang="en-US" smtClean="0"/>
               <a:pPr/>
-              <a:t>11/15/2021</a:t>
+              <a:t>11/22/2021</a:t>
             </a:fld>
             <a:endParaRPr lang="en-US"/>
           </a:p>
@@ -6561,7 +6645,7 @@
             <a:fld id="{1D8BD707-D9CF-40AE-B4C6-C98DA3205C09}" type="datetimeFigureOut">
               <a:rPr lang="en-US" smtClean="0"/>
               <a:pPr/>
-              <a:t>11/15/2021</a:t>
+              <a:t>11/22/2021</a:t>
             </a:fld>
             <a:endParaRPr lang="en-US"/>
           </a:p>
@@ -6833,7 +6917,7 @@
             <a:fld id="{1D8BD707-D9CF-40AE-B4C6-C98DA3205C09}" type="datetimeFigureOut">
               <a:rPr lang="en-US" smtClean="0"/>
               <a:pPr/>
-              <a:t>11/15/2021</a:t>
+              <a:t>11/22/2021</a:t>
             </a:fld>
             <a:endParaRPr lang="en-US"/>
           </a:p>
@@ -7082,7 +7166,7 @@
             <a:fld id="{1D8BD707-D9CF-40AE-B4C6-C98DA3205C09}" type="datetimeFigureOut">
               <a:rPr lang="en-US" smtClean="0"/>
               <a:pPr/>
-              <a:t>11/15/2021</a:t>
+              <a:t>11/22/2021</a:t>
             </a:fld>
             <a:endParaRPr lang="en-US"/>
           </a:p>
@@ -7290,7 +7374,7 @@
             <a:fld id="{1D8BD707-D9CF-40AE-B4C6-C98DA3205C09}" type="datetimeFigureOut">
               <a:rPr lang="en-US" smtClean="0"/>
               <a:pPr/>
-              <a:t>11/15/2021</a:t>
+              <a:t>11/22/2021</a:t>
             </a:fld>
             <a:endParaRPr lang="en-US"/>
           </a:p>
@@ -10833,11 +10917,11 @@
             </a:pPr>
             <a:r>
               <a:rPr lang="en-US" sz="2800" dirty="0"/>
-              <a:t>print('prediction: ', </a:t>
+              <a:t>print('prediction: ‘, </a:t>
             </a:r>
             <a:r>
               <a:rPr lang="en-US" sz="2800" dirty="0" err="1"/>
-              <a:t>y.eval</a:t>
+              <a:t>pred.eval</a:t>
             </a:r>
             <a:r>
               <a:rPr lang="en-US" sz="2800" dirty="0"/>
@@ -22304,7 +22388,7 @@
                 </a14:m>
                 <a:r>
                   <a:rPr lang="en-US" sz="3200" dirty="0"/>
-                  <a:t>(y_ - y)</a:t>
+                  <a:t>(y_ - h(x))</a:t>
                 </a:r>
                 <a:r>
                   <a:rPr lang="en-US" sz="3200" baseline="30000" dirty="0"/>
@@ -22312,7 +22396,23 @@
                 </a:r>
                 <a:r>
                   <a:rPr lang="en-US" sz="3200" dirty="0"/>
-                  <a:t>, -(y_*log(y)+(1-y_)*log(1-y))</a:t>
+                  <a:t>, -(y_*log(h(x))+(1-y_)*log(1-h(x))), </a:t>
+                </a:r>
+                <a:r>
+                  <a:rPr lang="en-US" sz="3200" dirty="0" err="1"/>
+                  <a:t>reduce_mean</a:t>
+                </a:r>
+                <a:r>
+                  <a:rPr lang="en-US" sz="3200" dirty="0"/>
+                  <a:t>(</a:t>
+                </a:r>
+                <a:r>
+                  <a:rPr lang="en-US" sz="3200" dirty="0" err="1"/>
+                  <a:t>ylog</a:t>
+                </a:r>
+                <a:r>
+                  <a:rPr lang="en-US" sz="3200" dirty="0"/>
+                  <a:t>(h(x))</a:t>
                 </a:r>
               </a:p>
               <a:p>
@@ -22343,10 +22443,10 @@
               </p:nvPr>
             </p:nvSpPr>
             <p:spPr>
-              <a:blipFill rotWithShape="1">
+              <a:blipFill>
                 <a:blip r:embed="rId2"/>
                 <a:stretch>
-                  <a:fillRect l="-1630" t="-1752"/>
+                  <a:fillRect l="-1704" t="-1752" r="-593" b="-3639"/>
                 </a:stretch>
               </a:blipFill>
             </p:spPr>
@@ -23539,12 +23639,10 @@
             </a:r>
           </a:p>
           <a:p>
-            <a:pPr marL="0" indent="0">
-              <a:buNone/>
-            </a:pPr>
+            <a:pPr lvl="1"/>
             <a:r>
               <a:rPr lang="en-US" dirty="0"/>
-              <a:t>	- write z as a function of a w and b!</a:t>
+              <a:t>write z as a function of a, w, and b!</a:t>
             </a:r>
           </a:p>
         </p:txBody>
@@ -23926,33 +24024,15 @@
                                   </p:childTnLst>
                                 </p:cTn>
                               </p:par>
-                            </p:childTnLst>
-                          </p:cTn>
-                        </p:par>
-                      </p:childTnLst>
-                    </p:cTn>
-                  </p:par>
-                  <p:par>
-                    <p:cTn id="28" fill="hold">
-                      <p:stCondLst>
-                        <p:cond delay="indefinite"/>
-                      </p:stCondLst>
-                      <p:childTnLst>
-                        <p:par>
-                          <p:cTn id="29" fill="hold">
-                            <p:stCondLst>
-                              <p:cond delay="0"/>
-                            </p:stCondLst>
-                            <p:childTnLst>
                               <p:par>
-                                <p:cTn id="30" presetID="10" presetClass="entr" presetSubtype="0" fill="hold" grpId="0" nodeType="clickEffect">
+                                <p:cTn id="28" presetID="10" presetClass="entr" presetSubtype="0" fill="hold" grpId="0" nodeType="withEffect">
                                   <p:stCondLst>
                                     <p:cond delay="0"/>
                                   </p:stCondLst>
                                   <p:childTnLst>
                                     <p:set>
                                       <p:cBhvr>
-                                        <p:cTn id="31" dur="1" fill="hold">
+                                        <p:cTn id="29" dur="1" fill="hold">
                                           <p:stCondLst>
                                             <p:cond delay="0"/>
                                           </p:stCondLst>
@@ -23974,7 +24054,7 @@
                                     </p:set>
                                     <p:animEffect transition="in" filter="fade">
                                       <p:cBhvr>
-                                        <p:cTn id="32" dur="500"/>
+                                        <p:cTn id="30" dur="500"/>
                                         <p:tgtEl>
                                           <p:spTgt spid="3">
                                             <p:txEl>
@@ -23994,26 +24074,26 @@
                     </p:cTn>
                   </p:par>
                   <p:par>
-                    <p:cTn id="33" fill="hold">
+                    <p:cTn id="31" fill="hold">
                       <p:stCondLst>
                         <p:cond delay="indefinite"/>
                       </p:stCondLst>
                       <p:childTnLst>
                         <p:par>
-                          <p:cTn id="34" fill="hold">
+                          <p:cTn id="32" fill="hold">
                             <p:stCondLst>
                               <p:cond delay="0"/>
                             </p:stCondLst>
                             <p:childTnLst>
                               <p:par>
-                                <p:cTn id="35" presetID="10" presetClass="entr" presetSubtype="0" fill="hold" nodeType="clickEffect">
+                                <p:cTn id="33" presetID="10" presetClass="entr" presetSubtype="0" fill="hold" nodeType="clickEffect">
                                   <p:stCondLst>
                                     <p:cond delay="0"/>
                                   </p:stCondLst>
                                   <p:childTnLst>
                                     <p:set>
                                       <p:cBhvr>
-                                        <p:cTn id="36" dur="1" fill="hold">
+                                        <p:cTn id="34" dur="1" fill="hold">
                                           <p:stCondLst>
                                             <p:cond delay="0"/>
                                           </p:stCondLst>
@@ -24031,7 +24111,7 @@
                                     </p:set>
                                     <p:animEffect transition="in" filter="fade">
                                       <p:cBhvr>
-                                        <p:cTn id="37" dur="500"/>
+                                        <p:cTn id="35" dur="500"/>
                                         <p:tgtEl>
                                           <p:spTgt spid="6"/>
                                         </p:tgtEl>
@@ -25220,6 +25300,36 @@
           <a:chExt cx="0" cy="0"/>
         </a:xfrm>
       </p:grpSpPr>
+      <p:pic>
+        <p:nvPicPr>
+          <p:cNvPr id="14" name="Picture 13">
+            <a:extLst>
+              <a:ext uri="{FF2B5EF4-FFF2-40B4-BE49-F238E27FC236}">
+                <a16:creationId xmlns:a16="http://schemas.microsoft.com/office/drawing/2014/main" id="{0B9E00D7-CC4F-4C78-9075-8E617E441B23}"/>
+              </a:ext>
+            </a:extLst>
+          </p:cNvPr>
+          <p:cNvPicPr>
+            <a:picLocks noChangeAspect="1"/>
+          </p:cNvPicPr>
+          <p:nvPr/>
+        </p:nvPicPr>
+        <p:blipFill>
+          <a:blip r:embed="rId7"/>
+          <a:stretch>
+            <a:fillRect/>
+          </a:stretch>
+        </p:blipFill>
+        <p:spPr>
+          <a:xfrm>
+            <a:off x="3132463" y="5754687"/>
+            <a:ext cx="4038600" cy="828675"/>
+          </a:xfrm>
+          <a:prstGeom prst="rect">
+            <a:avLst/>
+          </a:prstGeom>
+        </p:spPr>
+      </p:pic>
       <p:sp>
         <p:nvSpPr>
           <p:cNvPr id="2" name="Title 1"/>
@@ -25351,66 +25461,8 @@
               <a:t>).</a:t>
             </a:r>
           </a:p>
-          <a:p>
-            <a:pPr marL="0" indent="0">
-              <a:buNone/>
-            </a:pPr>
-            <a:endParaRPr lang="en-US" dirty="0"/>
-          </a:p>
-          <a:p>
-            <a:pPr marL="0" indent="0">
-              <a:buNone/>
-            </a:pPr>
-            <a:endParaRPr lang="en-US" dirty="0"/>
-          </a:p>
-          <a:p>
-            <a:pPr marL="0" indent="0">
-              <a:buNone/>
-            </a:pPr>
-            <a:endParaRPr lang="en-US" dirty="0"/>
-          </a:p>
-          <a:p>
-            <a:pPr marL="0" indent="0">
-              <a:buNone/>
-            </a:pPr>
-            <a:endParaRPr lang="en-US" dirty="0"/>
-          </a:p>
         </p:txBody>
       </p:sp>
-      <p:pic>
-        <p:nvPicPr>
-          <p:cNvPr id="7" name="Picture 6"/>
-          <p:cNvPicPr>
-            <a:picLocks noChangeAspect="1"/>
-          </p:cNvPicPr>
-          <p:nvPr>
-            <p:custDataLst>
-              <p:tags r:id="rId1"/>
-            </p:custDataLst>
-          </p:nvPr>
-        </p:nvPicPr>
-        <p:blipFill>
-          <a:blip r:embed="rId7" cstate="print">
-            <a:extLst>
-              <a:ext uri="{28A0092B-C50C-407E-A947-70E740481C1C}">
-                <a14:useLocalDpi xmlns:a14="http://schemas.microsoft.com/office/drawing/2010/main" val="0"/>
-              </a:ext>
-            </a:extLst>
-          </a:blip>
-          <a:stretch>
-            <a:fillRect/>
-          </a:stretch>
-        </p:blipFill>
-        <p:spPr>
-          <a:xfrm>
-            <a:off x="2362200" y="5867400"/>
-            <a:ext cx="5826486" cy="776864"/>
-          </a:xfrm>
-          <a:prstGeom prst="rect">
-            <a:avLst/>
-          </a:prstGeom>
-        </p:spPr>
-      </p:pic>
       <p:pic>
         <p:nvPicPr>
           <p:cNvPr id="4" name="Picture 3"/>
@@ -25419,7 +25471,7 @@
           </p:cNvPicPr>
           <p:nvPr>
             <p:custDataLst>
-              <p:tags r:id="rId2"/>
+              <p:tags r:id="rId1"/>
             </p:custDataLst>
           </p:nvPr>
         </p:nvPicPr>
@@ -25453,7 +25505,7 @@
           </p:cNvPicPr>
           <p:nvPr>
             <p:custDataLst>
-              <p:tags r:id="rId3"/>
+              <p:tags r:id="rId2"/>
             </p:custDataLst>
           </p:nvPr>
         </p:nvPicPr>
@@ -25487,7 +25539,7 @@
           </p:cNvPicPr>
           <p:nvPr>
             <p:custDataLst>
-              <p:tags r:id="rId4"/>
+              <p:tags r:id="rId3"/>
             </p:custDataLst>
           </p:nvPr>
         </p:nvPicPr>
@@ -25521,7 +25573,7 @@
           </p:cNvPicPr>
           <p:nvPr>
             <p:custDataLst>
-              <p:tags r:id="rId5"/>
+              <p:tags r:id="rId4"/>
             </p:custDataLst>
           </p:nvPr>
         </p:nvPicPr>
@@ -26118,7 +26170,7 @@
                                           </p:stCondLst>
                                         </p:cTn>
                                         <p:tgtEl>
-                                          <p:spTgt spid="7"/>
+                                          <p:spTgt spid="14"/>
                                         </p:tgtEl>
                                         <p:attrNameLst>
                                           <p:attrName>style.visibility</p:attrName>
@@ -26132,7 +26184,7 @@
                                       <p:cBhvr>
                                         <p:cTn id="48" dur="500"/>
                                         <p:tgtEl>
-                                          <p:spTgt spid="7"/>
+                                          <p:spTgt spid="14"/>
                                         </p:tgtEl>
                                       </p:cBhvr>
                                     </p:animEffect>
@@ -40248,25 +40300,6 @@
 <file path=ppt/tags/tag10.xml><?xml version="1.0" encoding="utf-8"?>
 <p:tagLst xmlns:a="http://schemas.openxmlformats.org/drawingml/2006/main" xmlns:r="http://schemas.openxmlformats.org/officeDocument/2006/relationships" xmlns:p="http://schemas.openxmlformats.org/presentationml/2006/main">
   <p:tag name="OUTPUTDPI" val="1200"/>
-  <p:tag name="ORIGINALHEIGHT" val="174.0243"/>
-  <p:tag name="ORIGINALWIDTH" val="1068.899"/>
-  <p:tag name="LATEXADDIN" val="\documentclass{article}&#10;\usepackage{amsmath}&#10;\pagestyle{empty}&#10;\begin{document}&#10;&#10;$\delta^L = \frac{\partial E}{\partial z^L} = \frac{\partial E}{\partial a^L}\frac{\partial a^L}{\partial z^L}$&#10;&#10;&#10;\end{document}"/>
-  <p:tag name="IGUANATEXSIZE" val="20"/>
-  <p:tag name="IGUANATEXCURSOR" val="190"/>
-  <p:tag name="TRANSPARENCY" val="True"/>
-  <p:tag name="FILENAME" val=""/>
-  <p:tag name="LATEXENGINEID" val="1"/>
-  <p:tag name="TEMPFOLDER" val="c:\temp\iguana\"/>
-  <p:tag name="LATEXFORMHEIGHT" val="312"/>
-  <p:tag name="LATEXFORMWIDTH" val="384"/>
-  <p:tag name="LATEXFORMWRAP" val="True"/>
-  <p:tag name="BITMAPVECTOR" val="0"/>
-</p:tagLst>
-</file>
-
-<file path=ppt/tags/tag11.xml><?xml version="1.0" encoding="utf-8"?>
-<p:tagLst xmlns:a="http://schemas.openxmlformats.org/drawingml/2006/main" xmlns:r="http://schemas.openxmlformats.org/officeDocument/2006/relationships" xmlns:p="http://schemas.openxmlformats.org/presentationml/2006/main">
-  <p:tag name="OUTPUTDPI" val="1200"/>
   <p:tag name="ORIGINALHEIGHT" val="156.7719"/>
   <p:tag name="ORIGINALWIDTH" val="178.525"/>
   <p:tag name="LATEXADDIN" val="\documentclass{article}&#10;\usepackage{amsmath}&#10;\pagestyle{empty}&#10;\begin{document}&#10;&#10;&#10;$\frac{\partial E}{\partial a^L}$&#10;&#10;\end{document}"/>
@@ -40283,7 +40316,7 @@
 </p:tagLst>
 </file>
 
-<file path=ppt/tags/tag12.xml><?xml version="1.0" encoding="utf-8"?>
+<file path=ppt/tags/tag11.xml><?xml version="1.0" encoding="utf-8"?>
 <p:tagLst xmlns:a="http://schemas.openxmlformats.org/drawingml/2006/main" xmlns:r="http://schemas.openxmlformats.org/officeDocument/2006/relationships" xmlns:p="http://schemas.openxmlformats.org/presentationml/2006/main">
   <p:tag name="OUTPUTDPI" val="1200"/>
   <p:tag name="ORIGINALHEIGHT" val="281.2893"/>
@@ -40302,7 +40335,7 @@
 </p:tagLst>
 </file>
 
-<file path=ppt/tags/tag13.xml><?xml version="1.0" encoding="utf-8"?>
+<file path=ppt/tags/tag12.xml><?xml version="1.0" encoding="utf-8"?>
 <p:tagLst xmlns:a="http://schemas.openxmlformats.org/drawingml/2006/main" xmlns:r="http://schemas.openxmlformats.org/officeDocument/2006/relationships" xmlns:p="http://schemas.openxmlformats.org/presentationml/2006/main">
   <p:tag name="OUTPUTDPI" val="1200"/>
   <p:tag name="ORIGINALHEIGHT" val="241.5337"/>
@@ -40321,7 +40354,7 @@
 </p:tagLst>
 </file>
 
-<file path=ppt/tags/tag14.xml><?xml version="1.0" encoding="utf-8"?>
+<file path=ppt/tags/tag13.xml><?xml version="1.0" encoding="utf-8"?>
 <p:tagLst xmlns:a="http://schemas.openxmlformats.org/drawingml/2006/main" xmlns:r="http://schemas.openxmlformats.org/officeDocument/2006/relationships" xmlns:p="http://schemas.openxmlformats.org/presentationml/2006/main">
   <p:tag name="OUTPUTDPI" val="1200"/>
   <p:tag name="ORIGINALHEIGHT" val="253.5354"/>
@@ -40340,7 +40373,7 @@
 </p:tagLst>
 </file>
 
-<file path=ppt/tags/tag15.xml><?xml version="1.0" encoding="utf-8"?>
+<file path=ppt/tags/tag14.xml><?xml version="1.0" encoding="utf-8"?>
 <p:tagLst xmlns:a="http://schemas.openxmlformats.org/drawingml/2006/main" xmlns:r="http://schemas.openxmlformats.org/officeDocument/2006/relationships" xmlns:p="http://schemas.openxmlformats.org/presentationml/2006/main">
   <p:tag name="OUTPUTDPI" val="1200"/>
   <p:tag name="ORIGINALHEIGHT" val="253.5354"/>
@@ -40359,7 +40392,7 @@
 </p:tagLst>
 </file>
 
-<file path=ppt/tags/tag16.xml><?xml version="1.0" encoding="utf-8"?>
+<file path=ppt/tags/tag15.xml><?xml version="1.0" encoding="utf-8"?>
 <p:tagLst xmlns:a="http://schemas.openxmlformats.org/drawingml/2006/main" xmlns:r="http://schemas.openxmlformats.org/officeDocument/2006/relationships" xmlns:p="http://schemas.openxmlformats.org/presentationml/2006/main">
   <p:tag name="OUTPUTDPI" val="1200"/>
   <p:tag name="ORIGINALHEIGHT" val="241.5337"/>
@@ -40378,7 +40411,7 @@
 </p:tagLst>
 </file>
 
-<file path=ppt/tags/tag17.xml><?xml version="1.0" encoding="utf-8"?>
+<file path=ppt/tags/tag16.xml><?xml version="1.0" encoding="utf-8"?>
 <p:tagLst xmlns:a="http://schemas.openxmlformats.org/drawingml/2006/main" xmlns:r="http://schemas.openxmlformats.org/officeDocument/2006/relationships" xmlns:p="http://schemas.openxmlformats.org/presentationml/2006/main">
   <p:tag name="OUTPUTDPI" val="1200"/>
   <p:tag name="ORIGINALHEIGHT" val="166.5232"/>
@@ -40397,7 +40430,7 @@
 </p:tagLst>
 </file>
 
-<file path=ppt/tags/tag18.xml><?xml version="1.0" encoding="utf-8"?>
+<file path=ppt/tags/tag17.xml><?xml version="1.0" encoding="utf-8"?>
 <p:tagLst xmlns:a="http://schemas.openxmlformats.org/drawingml/2006/main" xmlns:r="http://schemas.openxmlformats.org/officeDocument/2006/relationships" xmlns:p="http://schemas.openxmlformats.org/presentationml/2006/main">
   <p:tag name="OUTPUTDPI" val="1200"/>
   <p:tag name="ORIGINALHEIGHT" val="156.0218"/>
@@ -40416,7 +40449,7 @@
 </p:tagLst>
 </file>
 
-<file path=ppt/tags/tag19.xml><?xml version="1.0" encoding="utf-8"?>
+<file path=ppt/tags/tag18.xml><?xml version="1.0" encoding="utf-8"?>
 <p:tagLst xmlns:a="http://schemas.openxmlformats.org/drawingml/2006/main" xmlns:r="http://schemas.openxmlformats.org/officeDocument/2006/relationships" xmlns:p="http://schemas.openxmlformats.org/presentationml/2006/main">
   <p:tag name="OUTPUTDPI" val="1200"/>
   <p:tag name="ORIGINALHEIGHT" val="156.0218"/>
@@ -40424,6 +40457,25 @@
   <p:tag name="LATEXADDIN" val="\documentclass{article}&#10;\usepackage{amsmath}&#10;\pagestyle{empty}&#10;\begin{document}&#10;&#10;$\frac{\partial Error}{\partial w}$ and $\frac{\partial Error}{\partial b}$&#10;&#10;&#10;\end{document}"/>
   <p:tag name="IGUANATEXSIZE" val="20"/>
   <p:tag name="IGUANATEXCURSOR" val="156"/>
+  <p:tag name="TRANSPARENCY" val="True"/>
+  <p:tag name="FILENAME" val=""/>
+  <p:tag name="LATEXENGINEID" val="1"/>
+  <p:tag name="TEMPFOLDER" val="c:\temp\iguana\"/>
+  <p:tag name="LATEXFORMHEIGHT" val="312"/>
+  <p:tag name="LATEXFORMWIDTH" val="384"/>
+  <p:tag name="LATEXFORMWRAP" val="True"/>
+  <p:tag name="BITMAPVECTOR" val="0"/>
+</p:tagLst>
+</file>
+
+<file path=ppt/tags/tag19.xml><?xml version="1.0" encoding="utf-8"?>
+<p:tagLst xmlns:a="http://schemas.openxmlformats.org/drawingml/2006/main" xmlns:r="http://schemas.openxmlformats.org/officeDocument/2006/relationships" xmlns:p="http://schemas.openxmlformats.org/presentationml/2006/main">
+  <p:tag name="OUTPUTDPI" val="1200"/>
+  <p:tag name="ORIGINALHEIGHT" val="156.0218"/>
+  <p:tag name="ORIGINALWIDTH" val="962.3844"/>
+  <p:tag name="LATEXADDIN" val="\documentclass{article}&#10;\usepackage{amsmath}&#10;\pagestyle{empty}&#10;\begin{document}&#10;&#10;$w := w - \alpha \frac{\partial Error}{\partial w}$&#10;&#10;&#10;\end{document}"/>
+  <p:tag name="IGUANATEXSIZE" val="20"/>
+  <p:tag name="IGUANATEXCURSOR" val="90"/>
   <p:tag name="TRANSPARENCY" val="True"/>
   <p:tag name="FILENAME" val=""/>
   <p:tag name="LATEXENGINEID" val="1"/>
@@ -40455,25 +40507,6 @@
 </file>
 
 <file path=ppt/tags/tag20.xml><?xml version="1.0" encoding="utf-8"?>
-<p:tagLst xmlns:a="http://schemas.openxmlformats.org/drawingml/2006/main" xmlns:r="http://schemas.openxmlformats.org/officeDocument/2006/relationships" xmlns:p="http://schemas.openxmlformats.org/presentationml/2006/main">
-  <p:tag name="OUTPUTDPI" val="1200"/>
-  <p:tag name="ORIGINALHEIGHT" val="156.0218"/>
-  <p:tag name="ORIGINALWIDTH" val="962.3844"/>
-  <p:tag name="LATEXADDIN" val="\documentclass{article}&#10;\usepackage{amsmath}&#10;\pagestyle{empty}&#10;\begin{document}&#10;&#10;$w := w - \alpha \frac{\partial Error}{\partial w}$&#10;&#10;&#10;\end{document}"/>
-  <p:tag name="IGUANATEXSIZE" val="20"/>
-  <p:tag name="IGUANATEXCURSOR" val="90"/>
-  <p:tag name="TRANSPARENCY" val="True"/>
-  <p:tag name="FILENAME" val=""/>
-  <p:tag name="LATEXENGINEID" val="1"/>
-  <p:tag name="TEMPFOLDER" val="c:\temp\iguana\"/>
-  <p:tag name="LATEXFORMHEIGHT" val="312"/>
-  <p:tag name="LATEXFORMWIDTH" val="384"/>
-  <p:tag name="LATEXFORMWRAP" val="True"/>
-  <p:tag name="BITMAPVECTOR" val="0"/>
-</p:tagLst>
-</file>
-
-<file path=ppt/tags/tag21.xml><?xml version="1.0" encoding="utf-8"?>
 <p:tagLst xmlns:a="http://schemas.openxmlformats.org/drawingml/2006/main" xmlns:r="http://schemas.openxmlformats.org/officeDocument/2006/relationships" xmlns:p="http://schemas.openxmlformats.org/presentationml/2006/main">
   <p:tag name="OUTPUTDPI" val="1200"/>
   <p:tag name="ORIGINALHEIGHT" val="156.0218"/>
@@ -40590,11 +40623,11 @@
 <file path=ppt/tags/tag8.xml><?xml version="1.0" encoding="utf-8"?>
 <p:tagLst xmlns:a="http://schemas.openxmlformats.org/drawingml/2006/main" xmlns:r="http://schemas.openxmlformats.org/officeDocument/2006/relationships" xmlns:p="http://schemas.openxmlformats.org/presentationml/2006/main">
   <p:tag name="OUTPUTDPI" val="1200"/>
-  <p:tag name="ORIGINALHEIGHT" val="246.0343"/>
-  <p:tag name="ORIGINALWIDTH" val="1845.258"/>
-  <p:tag name="LATEXADDIN" val="\documentclass{article}&#10;\usepackage{amsmath}&#10;\pagestyle{empty}&#10;\begin{document}&#10;&#10;$\delta^L_j = \frac{\partial E}{\partial z^L_j} = \sum_i{\frac{\partial E}{\partial a^L_i}\frac{\partial a^L_i}{\partial z^L_j}} = \frac{\partial E}{\partial a^L_j}\frac{\partial a^L_j}{\partial z^L_j}$&#10;&#10;&#10;\end{document}"/>
+  <p:tag name="ORIGINALHEIGHT" val="174.0243"/>
+  <p:tag name="ORIGINALWIDTH" val="178.525"/>
+  <p:tag name="LATEXADDIN" val="\documentclass{article}&#10;\usepackage{amsmath}&#10;\pagestyle{empty}&#10;\begin{document}&#10;&#10;&#10;$\frac{\partial a^L}{\partial z^L}$&#10;&#10;\end{document}"/>
   <p:tag name="IGUANATEXSIZE" val="20"/>
-  <p:tag name="IGUANATEXCURSOR" val="170"/>
+  <p:tag name="IGUANATEXCURSOR" val="115"/>
   <p:tag name="TRANSPARENCY" val="True"/>
   <p:tag name="FILENAME" val=""/>
   <p:tag name="LATEXENGINEID" val="1"/>
@@ -40610,10 +40643,10 @@
 <p:tagLst xmlns:a="http://schemas.openxmlformats.org/drawingml/2006/main" xmlns:r="http://schemas.openxmlformats.org/officeDocument/2006/relationships" xmlns:p="http://schemas.openxmlformats.org/presentationml/2006/main">
   <p:tag name="OUTPUTDPI" val="1200"/>
   <p:tag name="ORIGINALHEIGHT" val="174.0243"/>
-  <p:tag name="ORIGINALWIDTH" val="178.525"/>
-  <p:tag name="LATEXADDIN" val="\documentclass{article}&#10;\usepackage{amsmath}&#10;\pagestyle{empty}&#10;\begin{document}&#10;&#10;&#10;$\frac{\partial a^L}{\partial z^L}$&#10;&#10;\end{document}"/>
+  <p:tag name="ORIGINALWIDTH" val="1068.899"/>
+  <p:tag name="LATEXADDIN" val="\documentclass{article}&#10;\usepackage{amsmath}&#10;\pagestyle{empty}&#10;\begin{document}&#10;&#10;$\delta^L = \frac{\partial E}{\partial z^L} = \frac{\partial E}{\partial a^L}\frac{\partial a^L}{\partial z^L}$&#10;&#10;&#10;\end{document}"/>
   <p:tag name="IGUANATEXSIZE" val="20"/>
-  <p:tag name="IGUANATEXCURSOR" val="115"/>
+  <p:tag name="IGUANATEXCURSOR" val="190"/>
   <p:tag name="TRANSPARENCY" val="True"/>
   <p:tag name="FILENAME" val=""/>
   <p:tag name="LATEXENGINEID" val="1"/>
